--- a/slides/geog4300_f19_L14-1 Regression.pptx
+++ b/slides/geog4300_f19_L14-1 Regression.pptx
@@ -28,12 +28,12 @@
     <p:sldId id="275" r:id="rId19"/>
     <p:sldId id="277" r:id="rId20"/>
     <p:sldId id="278" r:id="rId21"/>
-    <p:sldId id="279" r:id="rId22"/>
-    <p:sldId id="282" r:id="rId23"/>
-    <p:sldId id="276" r:id="rId24"/>
-    <p:sldId id="285" r:id="rId25"/>
-    <p:sldId id="288" r:id="rId26"/>
-    <p:sldId id="283" r:id="rId27"/>
+    <p:sldId id="282" r:id="rId22"/>
+    <p:sldId id="276" r:id="rId23"/>
+    <p:sldId id="285" r:id="rId24"/>
+    <p:sldId id="288" r:id="rId25"/>
+    <p:sldId id="283" r:id="rId26"/>
+    <p:sldId id="279" r:id="rId27"/>
   </p:sldIdLst>
   <p:sldSz cx="9144000" cy="6858000" type="screen4x3"/>
   <p:notesSz cx="6858000" cy="9144000"/>
@@ -3577,6 +3577,530 @@
 </file>
 
 <file path=ppt/notesSlides/notesSlide21.xml><?xml version="1.0" encoding="utf-8"?>
+<p:notes xmlns:a="http://schemas.openxmlformats.org/drawingml/2006/main" xmlns:r="http://schemas.openxmlformats.org/officeDocument/2006/relationships" xmlns:p="http://schemas.openxmlformats.org/presentationml/2006/main">
+  <p:cSld>
+    <p:spTree>
+      <p:nvGrpSpPr>
+        <p:cNvPr id="1" name=""/>
+        <p:cNvGrpSpPr/>
+        <p:nvPr/>
+      </p:nvGrpSpPr>
+      <p:grpSpPr>
+        <a:xfrm>
+          <a:off x="0" y="0"/>
+          <a:ext cx="0" cy="0"/>
+          <a:chOff x="0" y="0"/>
+          <a:chExt cx="0" cy="0"/>
+        </a:xfrm>
+      </p:grpSpPr>
+      <p:sp>
+        <p:nvSpPr>
+          <p:cNvPr id="2" name="Slide Image Placeholder 1"/>
+          <p:cNvSpPr>
+            <a:spLocks noGrp="1" noRot="1" noChangeAspect="1"/>
+          </p:cNvSpPr>
+          <p:nvPr>
+            <p:ph type="sldImg"/>
+          </p:nvPr>
+        </p:nvSpPr>
+        <p:spPr/>
+      </p:sp>
+      <p:sp>
+        <p:nvSpPr>
+          <p:cNvPr id="3" name="Notes Placeholder 2"/>
+          <p:cNvSpPr>
+            <a:spLocks noGrp="1"/>
+          </p:cNvSpPr>
+          <p:nvPr>
+            <p:ph type="body" idx="1"/>
+          </p:nvPr>
+        </p:nvSpPr>
+        <p:spPr/>
+        <p:txBody>
+          <a:bodyPr/>
+          <a:lstStyle/>
+          <a:p>
+            <a:endParaRPr lang="en-US" dirty="0"/>
+          </a:p>
+        </p:txBody>
+      </p:sp>
+      <p:sp>
+        <p:nvSpPr>
+          <p:cNvPr id="4" name="Slide Number Placeholder 3"/>
+          <p:cNvSpPr>
+            <a:spLocks noGrp="1"/>
+          </p:cNvSpPr>
+          <p:nvPr>
+            <p:ph type="sldNum" sz="quarter" idx="10"/>
+          </p:nvPr>
+        </p:nvSpPr>
+        <p:spPr/>
+        <p:txBody>
+          <a:bodyPr/>
+          <a:lstStyle/>
+          <a:p>
+            <a:fld id="{E18BF511-F575-4496-9E82-CD938318C1D8}" type="slidenum">
+              <a:rPr lang="en-US" smtClean="0"/>
+              <a:pPr/>
+              <a:t>21</a:t>
+            </a:fld>
+            <a:endParaRPr lang="en-US"/>
+          </a:p>
+        </p:txBody>
+      </p:sp>
+    </p:spTree>
+    <p:extLst>
+      <p:ext uri="{BB962C8B-B14F-4D97-AF65-F5344CB8AC3E}">
+        <p14:creationId xmlns:p14="http://schemas.microsoft.com/office/powerpoint/2010/main" val="2801392528"/>
+      </p:ext>
+    </p:extLst>
+  </p:cSld>
+  <p:clrMapOvr>
+    <a:masterClrMapping/>
+  </p:clrMapOvr>
+</p:notes>
+</file>
+
+<file path=ppt/notesSlides/notesSlide22.xml><?xml version="1.0" encoding="utf-8"?>
+<p:notes xmlns:a="http://schemas.openxmlformats.org/drawingml/2006/main" xmlns:r="http://schemas.openxmlformats.org/officeDocument/2006/relationships" xmlns:p="http://schemas.openxmlformats.org/presentationml/2006/main" showMasterSp="0" showMasterPhAnim="0">
+  <p:cSld>
+    <p:spTree>
+      <p:nvGrpSpPr>
+        <p:cNvPr id="1" name="Shape 338"/>
+        <p:cNvGrpSpPr/>
+        <p:nvPr/>
+      </p:nvGrpSpPr>
+      <p:grpSpPr>
+        <a:xfrm>
+          <a:off x="0" y="0"/>
+          <a:ext cx="0" cy="0"/>
+          <a:chOff x="0" y="0"/>
+          <a:chExt cx="0" cy="0"/>
+        </a:xfrm>
+      </p:grpSpPr>
+      <p:sp>
+        <p:nvSpPr>
+          <p:cNvPr id="339" name="Shape 339"/>
+          <p:cNvSpPr>
+            <a:spLocks noGrp="1" noRot="1" noChangeAspect="1"/>
+          </p:cNvSpPr>
+          <p:nvPr>
+            <p:ph type="sldImg" idx="2"/>
+          </p:nvPr>
+        </p:nvSpPr>
+        <p:spPr>
+          <a:xfrm>
+            <a:off x="1143000" y="685800"/>
+            <a:ext cx="4572000" cy="3429000"/>
+          </a:xfrm>
+          <a:custGeom>
+            <a:avLst/>
+            <a:gdLst/>
+            <a:ahLst/>
+            <a:cxnLst/>
+            <a:rect l="0" t="0" r="0" b="0"/>
+            <a:pathLst>
+              <a:path w="120000" h="120000" extrusionOk="0">
+                <a:moveTo>
+                  <a:pt x="0" y="0"/>
+                </a:moveTo>
+                <a:lnTo>
+                  <a:pt x="120000" y="0"/>
+                </a:lnTo>
+                <a:lnTo>
+                  <a:pt x="120000" y="120000"/>
+                </a:lnTo>
+                <a:lnTo>
+                  <a:pt x="0" y="120000"/>
+                </a:lnTo>
+                <a:close/>
+              </a:path>
+            </a:pathLst>
+          </a:custGeom>
+          <a:noFill/>
+          <a:ln w="12700" cap="flat" cmpd="sng">
+            <a:solidFill>
+              <a:srgbClr val="000000"/>
+            </a:solidFill>
+            <a:prstDash val="solid"/>
+            <a:round/>
+            <a:headEnd type="none" w="med" len="med"/>
+            <a:tailEnd type="none" w="med" len="med"/>
+          </a:ln>
+        </p:spPr>
+      </p:sp>
+      <p:sp>
+        <p:nvSpPr>
+          <p:cNvPr id="340" name="Shape 340"/>
+          <p:cNvSpPr txBox="1">
+            <a:spLocks noGrp="1"/>
+          </p:cNvSpPr>
+          <p:nvPr>
+            <p:ph type="body" idx="1"/>
+          </p:nvPr>
+        </p:nvSpPr>
+        <p:spPr>
+          <a:xfrm>
+            <a:off x="685800" y="4343400"/>
+            <a:ext cx="5486399" cy="4114800"/>
+          </a:xfrm>
+          <a:prstGeom prst="rect">
+            <a:avLst/>
+          </a:prstGeom>
+          <a:noFill/>
+          <a:ln>
+            <a:noFill/>
+          </a:ln>
+        </p:spPr>
+        <p:txBody>
+          <a:bodyPr lIns="91425" tIns="45700" rIns="91425" bIns="45700" anchor="t" anchorCtr="0">
+            <a:noAutofit/>
+          </a:bodyPr>
+          <a:lstStyle/>
+          <a:p>
+            <a:pPr marL="0" marR="0" lvl="0" indent="0" algn="l" rtl="0">
+              <a:spcBef>
+                <a:spcPts val="0"/>
+              </a:spcBef>
+              <a:buSzPct val="25000"/>
+              <a:buNone/>
+            </a:pPr>
+            <a:endParaRPr sz="1200" b="0" i="0" u="none" strike="noStrike" cap="none">
+              <a:solidFill>
+                <a:schemeClr val="dk1"/>
+              </a:solidFill>
+              <a:latin typeface="Calibri"/>
+              <a:ea typeface="Calibri"/>
+              <a:cs typeface="Calibri"/>
+              <a:sym typeface="Calibri"/>
+            </a:endParaRPr>
+          </a:p>
+        </p:txBody>
+      </p:sp>
+      <p:sp>
+        <p:nvSpPr>
+          <p:cNvPr id="341" name="Shape 341"/>
+          <p:cNvSpPr txBox="1">
+            <a:spLocks noGrp="1"/>
+          </p:cNvSpPr>
+          <p:nvPr>
+            <p:ph type="sldNum" idx="12"/>
+          </p:nvPr>
+        </p:nvSpPr>
+        <p:spPr>
+          <a:xfrm>
+            <a:off x="3884612" y="8685213"/>
+            <a:ext cx="2971799" cy="457200"/>
+          </a:xfrm>
+          <a:prstGeom prst="rect">
+            <a:avLst/>
+          </a:prstGeom>
+          <a:noFill/>
+          <a:ln>
+            <a:noFill/>
+          </a:ln>
+        </p:spPr>
+        <p:txBody>
+          <a:bodyPr lIns="91425" tIns="45700" rIns="91425" bIns="45700" anchor="b" anchorCtr="0">
+            <a:noAutofit/>
+          </a:bodyPr>
+          <a:lstStyle/>
+          <a:p>
+            <a:pPr marL="0" marR="0" lvl="0" indent="0" algn="r" rtl="0">
+              <a:spcBef>
+                <a:spcPts val="0"/>
+              </a:spcBef>
+              <a:buSzPct val="25000"/>
+              <a:buNone/>
+            </a:pPr>
+            <a:fld id="{00000000-1234-1234-1234-123412341234}" type="slidenum">
+              <a:rPr lang="en-US" sz="1200">
+                <a:solidFill>
+                  <a:schemeClr val="dk1"/>
+                </a:solidFill>
+                <a:latin typeface="Calibri"/>
+                <a:ea typeface="Calibri"/>
+                <a:cs typeface="Calibri"/>
+                <a:sym typeface="Calibri"/>
+              </a:rPr>
+              <a:t>22</a:t>
+            </a:fld>
+            <a:endParaRPr lang="en-US" sz="1200">
+              <a:solidFill>
+                <a:schemeClr val="dk1"/>
+              </a:solidFill>
+              <a:latin typeface="Calibri"/>
+              <a:ea typeface="Calibri"/>
+              <a:cs typeface="Calibri"/>
+              <a:sym typeface="Calibri"/>
+            </a:endParaRPr>
+          </a:p>
+        </p:txBody>
+      </p:sp>
+    </p:spTree>
+  </p:cSld>
+  <p:clrMapOvr>
+    <a:masterClrMapping/>
+  </p:clrMapOvr>
+</p:notes>
+</file>
+
+<file path=ppt/notesSlides/notesSlide23.xml><?xml version="1.0" encoding="utf-8"?>
+<p:notes xmlns:a="http://schemas.openxmlformats.org/drawingml/2006/main" xmlns:r="http://schemas.openxmlformats.org/officeDocument/2006/relationships" xmlns:p="http://schemas.openxmlformats.org/presentationml/2006/main">
+  <p:cSld>
+    <p:spTree>
+      <p:nvGrpSpPr>
+        <p:cNvPr id="1" name=""/>
+        <p:cNvGrpSpPr/>
+        <p:nvPr/>
+      </p:nvGrpSpPr>
+      <p:grpSpPr>
+        <a:xfrm>
+          <a:off x="0" y="0"/>
+          <a:ext cx="0" cy="0"/>
+          <a:chOff x="0" y="0"/>
+          <a:chExt cx="0" cy="0"/>
+        </a:xfrm>
+      </p:grpSpPr>
+      <p:sp>
+        <p:nvSpPr>
+          <p:cNvPr id="2" name="Slide Image Placeholder 1"/>
+          <p:cNvSpPr>
+            <a:spLocks noGrp="1" noRot="1" noChangeAspect="1"/>
+          </p:cNvSpPr>
+          <p:nvPr>
+            <p:ph type="sldImg"/>
+          </p:nvPr>
+        </p:nvSpPr>
+        <p:spPr/>
+      </p:sp>
+      <p:sp>
+        <p:nvSpPr>
+          <p:cNvPr id="3" name="Notes Placeholder 2"/>
+          <p:cNvSpPr>
+            <a:spLocks noGrp="1"/>
+          </p:cNvSpPr>
+          <p:nvPr>
+            <p:ph type="body" idx="1"/>
+          </p:nvPr>
+        </p:nvSpPr>
+        <p:spPr/>
+        <p:txBody>
+          <a:bodyPr/>
+          <a:lstStyle/>
+          <a:p>
+            <a:endParaRPr lang="en-US" dirty="0"/>
+          </a:p>
+        </p:txBody>
+      </p:sp>
+      <p:sp>
+        <p:nvSpPr>
+          <p:cNvPr id="4" name="Slide Number Placeholder 3"/>
+          <p:cNvSpPr>
+            <a:spLocks noGrp="1"/>
+          </p:cNvSpPr>
+          <p:nvPr>
+            <p:ph type="sldNum" sz="quarter" idx="10"/>
+          </p:nvPr>
+        </p:nvSpPr>
+        <p:spPr/>
+        <p:txBody>
+          <a:bodyPr/>
+          <a:lstStyle/>
+          <a:p>
+            <a:fld id="{E18BF511-F575-4496-9E82-CD938318C1D8}" type="slidenum">
+              <a:rPr lang="en-US" smtClean="0"/>
+              <a:pPr/>
+              <a:t>23</a:t>
+            </a:fld>
+            <a:endParaRPr lang="en-US"/>
+          </a:p>
+        </p:txBody>
+      </p:sp>
+    </p:spTree>
+    <p:extLst>
+      <p:ext uri="{BB962C8B-B14F-4D97-AF65-F5344CB8AC3E}">
+        <p14:creationId xmlns:p14="http://schemas.microsoft.com/office/powerpoint/2010/main" val="3003792099"/>
+      </p:ext>
+    </p:extLst>
+  </p:cSld>
+  <p:clrMapOvr>
+    <a:masterClrMapping/>
+  </p:clrMapOvr>
+</p:notes>
+</file>
+
+<file path=ppt/notesSlides/notesSlide24.xml><?xml version="1.0" encoding="utf-8"?>
+<p:notes xmlns:a="http://schemas.openxmlformats.org/drawingml/2006/main" xmlns:r="http://schemas.openxmlformats.org/officeDocument/2006/relationships" xmlns:p="http://schemas.openxmlformats.org/presentationml/2006/main">
+  <p:cSld>
+    <p:spTree>
+      <p:nvGrpSpPr>
+        <p:cNvPr id="1" name=""/>
+        <p:cNvGrpSpPr/>
+        <p:nvPr/>
+      </p:nvGrpSpPr>
+      <p:grpSpPr>
+        <a:xfrm>
+          <a:off x="0" y="0"/>
+          <a:ext cx="0" cy="0"/>
+          <a:chOff x="0" y="0"/>
+          <a:chExt cx="0" cy="0"/>
+        </a:xfrm>
+      </p:grpSpPr>
+      <p:sp>
+        <p:nvSpPr>
+          <p:cNvPr id="2" name="Slide Image Placeholder 1"/>
+          <p:cNvSpPr>
+            <a:spLocks noGrp="1" noRot="1" noChangeAspect="1"/>
+          </p:cNvSpPr>
+          <p:nvPr>
+            <p:ph type="sldImg"/>
+          </p:nvPr>
+        </p:nvSpPr>
+        <p:spPr/>
+      </p:sp>
+      <p:sp>
+        <p:nvSpPr>
+          <p:cNvPr id="3" name="Notes Placeholder 2"/>
+          <p:cNvSpPr>
+            <a:spLocks noGrp="1"/>
+          </p:cNvSpPr>
+          <p:nvPr>
+            <p:ph type="body" idx="1"/>
+          </p:nvPr>
+        </p:nvSpPr>
+        <p:spPr/>
+        <p:txBody>
+          <a:bodyPr/>
+          <a:lstStyle/>
+          <a:p>
+            <a:endParaRPr lang="en-US" dirty="0"/>
+          </a:p>
+        </p:txBody>
+      </p:sp>
+      <p:sp>
+        <p:nvSpPr>
+          <p:cNvPr id="4" name="Slide Number Placeholder 3"/>
+          <p:cNvSpPr>
+            <a:spLocks noGrp="1"/>
+          </p:cNvSpPr>
+          <p:nvPr>
+            <p:ph type="sldNum" sz="quarter" idx="10"/>
+          </p:nvPr>
+        </p:nvSpPr>
+        <p:spPr/>
+        <p:txBody>
+          <a:bodyPr/>
+          <a:lstStyle/>
+          <a:p>
+            <a:fld id="{E18BF511-F575-4496-9E82-CD938318C1D8}" type="slidenum">
+              <a:rPr lang="en-US" smtClean="0"/>
+              <a:pPr/>
+              <a:t>24</a:t>
+            </a:fld>
+            <a:endParaRPr lang="en-US"/>
+          </a:p>
+        </p:txBody>
+      </p:sp>
+    </p:spTree>
+    <p:extLst>
+      <p:ext uri="{BB962C8B-B14F-4D97-AF65-F5344CB8AC3E}">
+        <p14:creationId xmlns:p14="http://schemas.microsoft.com/office/powerpoint/2010/main" val="157057707"/>
+      </p:ext>
+    </p:extLst>
+  </p:cSld>
+  <p:clrMapOvr>
+    <a:masterClrMapping/>
+  </p:clrMapOvr>
+</p:notes>
+</file>
+
+<file path=ppt/notesSlides/notesSlide25.xml><?xml version="1.0" encoding="utf-8"?>
+<p:notes xmlns:a="http://schemas.openxmlformats.org/drawingml/2006/main" xmlns:r="http://schemas.openxmlformats.org/officeDocument/2006/relationships" xmlns:p="http://schemas.openxmlformats.org/presentationml/2006/main">
+  <p:cSld>
+    <p:spTree>
+      <p:nvGrpSpPr>
+        <p:cNvPr id="1" name=""/>
+        <p:cNvGrpSpPr/>
+        <p:nvPr/>
+      </p:nvGrpSpPr>
+      <p:grpSpPr>
+        <a:xfrm>
+          <a:off x="0" y="0"/>
+          <a:ext cx="0" cy="0"/>
+          <a:chOff x="0" y="0"/>
+          <a:chExt cx="0" cy="0"/>
+        </a:xfrm>
+      </p:grpSpPr>
+      <p:sp>
+        <p:nvSpPr>
+          <p:cNvPr id="2" name="Slide Image Placeholder 1"/>
+          <p:cNvSpPr>
+            <a:spLocks noGrp="1" noRot="1" noChangeAspect="1"/>
+          </p:cNvSpPr>
+          <p:nvPr>
+            <p:ph type="sldImg"/>
+          </p:nvPr>
+        </p:nvSpPr>
+        <p:spPr/>
+      </p:sp>
+      <p:sp>
+        <p:nvSpPr>
+          <p:cNvPr id="3" name="Notes Placeholder 2"/>
+          <p:cNvSpPr>
+            <a:spLocks noGrp="1"/>
+          </p:cNvSpPr>
+          <p:nvPr>
+            <p:ph type="body" idx="1"/>
+          </p:nvPr>
+        </p:nvSpPr>
+        <p:spPr/>
+        <p:txBody>
+          <a:bodyPr/>
+          <a:lstStyle/>
+          <a:p>
+            <a:endParaRPr lang="en-US" dirty="0"/>
+          </a:p>
+        </p:txBody>
+      </p:sp>
+      <p:sp>
+        <p:nvSpPr>
+          <p:cNvPr id="4" name="Slide Number Placeholder 3"/>
+          <p:cNvSpPr>
+            <a:spLocks noGrp="1"/>
+          </p:cNvSpPr>
+          <p:nvPr>
+            <p:ph type="sldNum" sz="quarter" idx="10"/>
+          </p:nvPr>
+        </p:nvSpPr>
+        <p:spPr/>
+        <p:txBody>
+          <a:bodyPr/>
+          <a:lstStyle/>
+          <a:p>
+            <a:fld id="{E18BF511-F575-4496-9E82-CD938318C1D8}" type="slidenum">
+              <a:rPr lang="en-US" smtClean="0"/>
+              <a:pPr/>
+              <a:t>25</a:t>
+            </a:fld>
+            <a:endParaRPr lang="en-US"/>
+          </a:p>
+        </p:txBody>
+      </p:sp>
+    </p:spTree>
+    <p:extLst>
+      <p:ext uri="{BB962C8B-B14F-4D97-AF65-F5344CB8AC3E}">
+        <p14:creationId xmlns:p14="http://schemas.microsoft.com/office/powerpoint/2010/main" val="3365714415"/>
+      </p:ext>
+    </p:extLst>
+  </p:cSld>
+  <p:clrMapOvr>
+    <a:masterClrMapping/>
+  </p:clrMapOvr>
+</p:notes>
+</file>
+
+<file path=ppt/notesSlides/notesSlide26.xml><?xml version="1.0" encoding="utf-8"?>
 <p:notes xmlns:a="http://schemas.openxmlformats.org/drawingml/2006/main" xmlns:r="http://schemas.openxmlformats.org/officeDocument/2006/relationships" xmlns:p="http://schemas.openxmlformats.org/presentationml/2006/main" showMasterSp="0" showMasterPhAnim="0">
   <p:cSld>
     <p:spTree>
@@ -3738,7 +4262,7 @@
                 <a:cs typeface="Calibri"/>
                 <a:sym typeface="Calibri"/>
               </a:rPr>
-              <a:t>21</a:t>
+              <a:t>26</a:t>
             </a:fld>
             <a:endParaRPr lang="en-US" sz="1200">
               <a:solidFill>
@@ -3753,530 +4277,6 @@
         </p:txBody>
       </p:sp>
     </p:spTree>
-  </p:cSld>
-  <p:clrMapOvr>
-    <a:masterClrMapping/>
-  </p:clrMapOvr>
-</p:notes>
-</file>
-
-<file path=ppt/notesSlides/notesSlide22.xml><?xml version="1.0" encoding="utf-8"?>
-<p:notes xmlns:a="http://schemas.openxmlformats.org/drawingml/2006/main" xmlns:r="http://schemas.openxmlformats.org/officeDocument/2006/relationships" xmlns:p="http://schemas.openxmlformats.org/presentationml/2006/main">
-  <p:cSld>
-    <p:spTree>
-      <p:nvGrpSpPr>
-        <p:cNvPr id="1" name=""/>
-        <p:cNvGrpSpPr/>
-        <p:nvPr/>
-      </p:nvGrpSpPr>
-      <p:grpSpPr>
-        <a:xfrm>
-          <a:off x="0" y="0"/>
-          <a:ext cx="0" cy="0"/>
-          <a:chOff x="0" y="0"/>
-          <a:chExt cx="0" cy="0"/>
-        </a:xfrm>
-      </p:grpSpPr>
-      <p:sp>
-        <p:nvSpPr>
-          <p:cNvPr id="2" name="Slide Image Placeholder 1"/>
-          <p:cNvSpPr>
-            <a:spLocks noGrp="1" noRot="1" noChangeAspect="1"/>
-          </p:cNvSpPr>
-          <p:nvPr>
-            <p:ph type="sldImg"/>
-          </p:nvPr>
-        </p:nvSpPr>
-        <p:spPr/>
-      </p:sp>
-      <p:sp>
-        <p:nvSpPr>
-          <p:cNvPr id="3" name="Notes Placeholder 2"/>
-          <p:cNvSpPr>
-            <a:spLocks noGrp="1"/>
-          </p:cNvSpPr>
-          <p:nvPr>
-            <p:ph type="body" idx="1"/>
-          </p:nvPr>
-        </p:nvSpPr>
-        <p:spPr/>
-        <p:txBody>
-          <a:bodyPr/>
-          <a:lstStyle/>
-          <a:p>
-            <a:endParaRPr lang="en-US" dirty="0"/>
-          </a:p>
-        </p:txBody>
-      </p:sp>
-      <p:sp>
-        <p:nvSpPr>
-          <p:cNvPr id="4" name="Slide Number Placeholder 3"/>
-          <p:cNvSpPr>
-            <a:spLocks noGrp="1"/>
-          </p:cNvSpPr>
-          <p:nvPr>
-            <p:ph type="sldNum" sz="quarter" idx="10"/>
-          </p:nvPr>
-        </p:nvSpPr>
-        <p:spPr/>
-        <p:txBody>
-          <a:bodyPr/>
-          <a:lstStyle/>
-          <a:p>
-            <a:fld id="{E18BF511-F575-4496-9E82-CD938318C1D8}" type="slidenum">
-              <a:rPr lang="en-US" smtClean="0"/>
-              <a:pPr/>
-              <a:t>22</a:t>
-            </a:fld>
-            <a:endParaRPr lang="en-US"/>
-          </a:p>
-        </p:txBody>
-      </p:sp>
-    </p:spTree>
-    <p:extLst>
-      <p:ext uri="{BB962C8B-B14F-4D97-AF65-F5344CB8AC3E}">
-        <p14:creationId xmlns:p14="http://schemas.microsoft.com/office/powerpoint/2010/main" val="2801392528"/>
-      </p:ext>
-    </p:extLst>
-  </p:cSld>
-  <p:clrMapOvr>
-    <a:masterClrMapping/>
-  </p:clrMapOvr>
-</p:notes>
-</file>
-
-<file path=ppt/notesSlides/notesSlide23.xml><?xml version="1.0" encoding="utf-8"?>
-<p:notes xmlns:a="http://schemas.openxmlformats.org/drawingml/2006/main" xmlns:r="http://schemas.openxmlformats.org/officeDocument/2006/relationships" xmlns:p="http://schemas.openxmlformats.org/presentationml/2006/main" showMasterSp="0" showMasterPhAnim="0">
-  <p:cSld>
-    <p:spTree>
-      <p:nvGrpSpPr>
-        <p:cNvPr id="1" name="Shape 338"/>
-        <p:cNvGrpSpPr/>
-        <p:nvPr/>
-      </p:nvGrpSpPr>
-      <p:grpSpPr>
-        <a:xfrm>
-          <a:off x="0" y="0"/>
-          <a:ext cx="0" cy="0"/>
-          <a:chOff x="0" y="0"/>
-          <a:chExt cx="0" cy="0"/>
-        </a:xfrm>
-      </p:grpSpPr>
-      <p:sp>
-        <p:nvSpPr>
-          <p:cNvPr id="339" name="Shape 339"/>
-          <p:cNvSpPr>
-            <a:spLocks noGrp="1" noRot="1" noChangeAspect="1"/>
-          </p:cNvSpPr>
-          <p:nvPr>
-            <p:ph type="sldImg" idx="2"/>
-          </p:nvPr>
-        </p:nvSpPr>
-        <p:spPr>
-          <a:xfrm>
-            <a:off x="1143000" y="685800"/>
-            <a:ext cx="4572000" cy="3429000"/>
-          </a:xfrm>
-          <a:custGeom>
-            <a:avLst/>
-            <a:gdLst/>
-            <a:ahLst/>
-            <a:cxnLst/>
-            <a:rect l="0" t="0" r="0" b="0"/>
-            <a:pathLst>
-              <a:path w="120000" h="120000" extrusionOk="0">
-                <a:moveTo>
-                  <a:pt x="0" y="0"/>
-                </a:moveTo>
-                <a:lnTo>
-                  <a:pt x="120000" y="0"/>
-                </a:lnTo>
-                <a:lnTo>
-                  <a:pt x="120000" y="120000"/>
-                </a:lnTo>
-                <a:lnTo>
-                  <a:pt x="0" y="120000"/>
-                </a:lnTo>
-                <a:close/>
-              </a:path>
-            </a:pathLst>
-          </a:custGeom>
-          <a:noFill/>
-          <a:ln w="12700" cap="flat" cmpd="sng">
-            <a:solidFill>
-              <a:srgbClr val="000000"/>
-            </a:solidFill>
-            <a:prstDash val="solid"/>
-            <a:round/>
-            <a:headEnd type="none" w="med" len="med"/>
-            <a:tailEnd type="none" w="med" len="med"/>
-          </a:ln>
-        </p:spPr>
-      </p:sp>
-      <p:sp>
-        <p:nvSpPr>
-          <p:cNvPr id="340" name="Shape 340"/>
-          <p:cNvSpPr txBox="1">
-            <a:spLocks noGrp="1"/>
-          </p:cNvSpPr>
-          <p:nvPr>
-            <p:ph type="body" idx="1"/>
-          </p:nvPr>
-        </p:nvSpPr>
-        <p:spPr>
-          <a:xfrm>
-            <a:off x="685800" y="4343400"/>
-            <a:ext cx="5486399" cy="4114800"/>
-          </a:xfrm>
-          <a:prstGeom prst="rect">
-            <a:avLst/>
-          </a:prstGeom>
-          <a:noFill/>
-          <a:ln>
-            <a:noFill/>
-          </a:ln>
-        </p:spPr>
-        <p:txBody>
-          <a:bodyPr lIns="91425" tIns="45700" rIns="91425" bIns="45700" anchor="t" anchorCtr="0">
-            <a:noAutofit/>
-          </a:bodyPr>
-          <a:lstStyle/>
-          <a:p>
-            <a:pPr marL="0" marR="0" lvl="0" indent="0" algn="l" rtl="0">
-              <a:spcBef>
-                <a:spcPts val="0"/>
-              </a:spcBef>
-              <a:buSzPct val="25000"/>
-              <a:buNone/>
-            </a:pPr>
-            <a:endParaRPr sz="1200" b="0" i="0" u="none" strike="noStrike" cap="none">
-              <a:solidFill>
-                <a:schemeClr val="dk1"/>
-              </a:solidFill>
-              <a:latin typeface="Calibri"/>
-              <a:ea typeface="Calibri"/>
-              <a:cs typeface="Calibri"/>
-              <a:sym typeface="Calibri"/>
-            </a:endParaRPr>
-          </a:p>
-        </p:txBody>
-      </p:sp>
-      <p:sp>
-        <p:nvSpPr>
-          <p:cNvPr id="341" name="Shape 341"/>
-          <p:cNvSpPr txBox="1">
-            <a:spLocks noGrp="1"/>
-          </p:cNvSpPr>
-          <p:nvPr>
-            <p:ph type="sldNum" idx="12"/>
-          </p:nvPr>
-        </p:nvSpPr>
-        <p:spPr>
-          <a:xfrm>
-            <a:off x="3884612" y="8685213"/>
-            <a:ext cx="2971799" cy="457200"/>
-          </a:xfrm>
-          <a:prstGeom prst="rect">
-            <a:avLst/>
-          </a:prstGeom>
-          <a:noFill/>
-          <a:ln>
-            <a:noFill/>
-          </a:ln>
-        </p:spPr>
-        <p:txBody>
-          <a:bodyPr lIns="91425" tIns="45700" rIns="91425" bIns="45700" anchor="b" anchorCtr="0">
-            <a:noAutofit/>
-          </a:bodyPr>
-          <a:lstStyle/>
-          <a:p>
-            <a:pPr marL="0" marR="0" lvl="0" indent="0" algn="r" rtl="0">
-              <a:spcBef>
-                <a:spcPts val="0"/>
-              </a:spcBef>
-              <a:buSzPct val="25000"/>
-              <a:buNone/>
-            </a:pPr>
-            <a:fld id="{00000000-1234-1234-1234-123412341234}" type="slidenum">
-              <a:rPr lang="en-US" sz="1200">
-                <a:solidFill>
-                  <a:schemeClr val="dk1"/>
-                </a:solidFill>
-                <a:latin typeface="Calibri"/>
-                <a:ea typeface="Calibri"/>
-                <a:cs typeface="Calibri"/>
-                <a:sym typeface="Calibri"/>
-              </a:rPr>
-              <a:t>23</a:t>
-            </a:fld>
-            <a:endParaRPr lang="en-US" sz="1200">
-              <a:solidFill>
-                <a:schemeClr val="dk1"/>
-              </a:solidFill>
-              <a:latin typeface="Calibri"/>
-              <a:ea typeface="Calibri"/>
-              <a:cs typeface="Calibri"/>
-              <a:sym typeface="Calibri"/>
-            </a:endParaRPr>
-          </a:p>
-        </p:txBody>
-      </p:sp>
-    </p:spTree>
-  </p:cSld>
-  <p:clrMapOvr>
-    <a:masterClrMapping/>
-  </p:clrMapOvr>
-</p:notes>
-</file>
-
-<file path=ppt/notesSlides/notesSlide24.xml><?xml version="1.0" encoding="utf-8"?>
-<p:notes xmlns:a="http://schemas.openxmlformats.org/drawingml/2006/main" xmlns:r="http://schemas.openxmlformats.org/officeDocument/2006/relationships" xmlns:p="http://schemas.openxmlformats.org/presentationml/2006/main">
-  <p:cSld>
-    <p:spTree>
-      <p:nvGrpSpPr>
-        <p:cNvPr id="1" name=""/>
-        <p:cNvGrpSpPr/>
-        <p:nvPr/>
-      </p:nvGrpSpPr>
-      <p:grpSpPr>
-        <a:xfrm>
-          <a:off x="0" y="0"/>
-          <a:ext cx="0" cy="0"/>
-          <a:chOff x="0" y="0"/>
-          <a:chExt cx="0" cy="0"/>
-        </a:xfrm>
-      </p:grpSpPr>
-      <p:sp>
-        <p:nvSpPr>
-          <p:cNvPr id="2" name="Slide Image Placeholder 1"/>
-          <p:cNvSpPr>
-            <a:spLocks noGrp="1" noRot="1" noChangeAspect="1"/>
-          </p:cNvSpPr>
-          <p:nvPr>
-            <p:ph type="sldImg"/>
-          </p:nvPr>
-        </p:nvSpPr>
-        <p:spPr/>
-      </p:sp>
-      <p:sp>
-        <p:nvSpPr>
-          <p:cNvPr id="3" name="Notes Placeholder 2"/>
-          <p:cNvSpPr>
-            <a:spLocks noGrp="1"/>
-          </p:cNvSpPr>
-          <p:nvPr>
-            <p:ph type="body" idx="1"/>
-          </p:nvPr>
-        </p:nvSpPr>
-        <p:spPr/>
-        <p:txBody>
-          <a:bodyPr/>
-          <a:lstStyle/>
-          <a:p>
-            <a:endParaRPr lang="en-US" dirty="0"/>
-          </a:p>
-        </p:txBody>
-      </p:sp>
-      <p:sp>
-        <p:nvSpPr>
-          <p:cNvPr id="4" name="Slide Number Placeholder 3"/>
-          <p:cNvSpPr>
-            <a:spLocks noGrp="1"/>
-          </p:cNvSpPr>
-          <p:nvPr>
-            <p:ph type="sldNum" sz="quarter" idx="10"/>
-          </p:nvPr>
-        </p:nvSpPr>
-        <p:spPr/>
-        <p:txBody>
-          <a:bodyPr/>
-          <a:lstStyle/>
-          <a:p>
-            <a:fld id="{E18BF511-F575-4496-9E82-CD938318C1D8}" type="slidenum">
-              <a:rPr lang="en-US" smtClean="0"/>
-              <a:pPr/>
-              <a:t>24</a:t>
-            </a:fld>
-            <a:endParaRPr lang="en-US"/>
-          </a:p>
-        </p:txBody>
-      </p:sp>
-    </p:spTree>
-    <p:extLst>
-      <p:ext uri="{BB962C8B-B14F-4D97-AF65-F5344CB8AC3E}">
-        <p14:creationId xmlns:p14="http://schemas.microsoft.com/office/powerpoint/2010/main" val="3003792099"/>
-      </p:ext>
-    </p:extLst>
-  </p:cSld>
-  <p:clrMapOvr>
-    <a:masterClrMapping/>
-  </p:clrMapOvr>
-</p:notes>
-</file>
-
-<file path=ppt/notesSlides/notesSlide25.xml><?xml version="1.0" encoding="utf-8"?>
-<p:notes xmlns:a="http://schemas.openxmlformats.org/drawingml/2006/main" xmlns:r="http://schemas.openxmlformats.org/officeDocument/2006/relationships" xmlns:p="http://schemas.openxmlformats.org/presentationml/2006/main">
-  <p:cSld>
-    <p:spTree>
-      <p:nvGrpSpPr>
-        <p:cNvPr id="1" name=""/>
-        <p:cNvGrpSpPr/>
-        <p:nvPr/>
-      </p:nvGrpSpPr>
-      <p:grpSpPr>
-        <a:xfrm>
-          <a:off x="0" y="0"/>
-          <a:ext cx="0" cy="0"/>
-          <a:chOff x="0" y="0"/>
-          <a:chExt cx="0" cy="0"/>
-        </a:xfrm>
-      </p:grpSpPr>
-      <p:sp>
-        <p:nvSpPr>
-          <p:cNvPr id="2" name="Slide Image Placeholder 1"/>
-          <p:cNvSpPr>
-            <a:spLocks noGrp="1" noRot="1" noChangeAspect="1"/>
-          </p:cNvSpPr>
-          <p:nvPr>
-            <p:ph type="sldImg"/>
-          </p:nvPr>
-        </p:nvSpPr>
-        <p:spPr/>
-      </p:sp>
-      <p:sp>
-        <p:nvSpPr>
-          <p:cNvPr id="3" name="Notes Placeholder 2"/>
-          <p:cNvSpPr>
-            <a:spLocks noGrp="1"/>
-          </p:cNvSpPr>
-          <p:nvPr>
-            <p:ph type="body" idx="1"/>
-          </p:nvPr>
-        </p:nvSpPr>
-        <p:spPr/>
-        <p:txBody>
-          <a:bodyPr/>
-          <a:lstStyle/>
-          <a:p>
-            <a:endParaRPr lang="en-US" dirty="0"/>
-          </a:p>
-        </p:txBody>
-      </p:sp>
-      <p:sp>
-        <p:nvSpPr>
-          <p:cNvPr id="4" name="Slide Number Placeholder 3"/>
-          <p:cNvSpPr>
-            <a:spLocks noGrp="1"/>
-          </p:cNvSpPr>
-          <p:nvPr>
-            <p:ph type="sldNum" sz="quarter" idx="10"/>
-          </p:nvPr>
-        </p:nvSpPr>
-        <p:spPr/>
-        <p:txBody>
-          <a:bodyPr/>
-          <a:lstStyle/>
-          <a:p>
-            <a:fld id="{E18BF511-F575-4496-9E82-CD938318C1D8}" type="slidenum">
-              <a:rPr lang="en-US" smtClean="0"/>
-              <a:pPr/>
-              <a:t>25</a:t>
-            </a:fld>
-            <a:endParaRPr lang="en-US"/>
-          </a:p>
-        </p:txBody>
-      </p:sp>
-    </p:spTree>
-    <p:extLst>
-      <p:ext uri="{BB962C8B-B14F-4D97-AF65-F5344CB8AC3E}">
-        <p14:creationId xmlns:p14="http://schemas.microsoft.com/office/powerpoint/2010/main" val="157057707"/>
-      </p:ext>
-    </p:extLst>
-  </p:cSld>
-  <p:clrMapOvr>
-    <a:masterClrMapping/>
-  </p:clrMapOvr>
-</p:notes>
-</file>
-
-<file path=ppt/notesSlides/notesSlide26.xml><?xml version="1.0" encoding="utf-8"?>
-<p:notes xmlns:a="http://schemas.openxmlformats.org/drawingml/2006/main" xmlns:r="http://schemas.openxmlformats.org/officeDocument/2006/relationships" xmlns:p="http://schemas.openxmlformats.org/presentationml/2006/main">
-  <p:cSld>
-    <p:spTree>
-      <p:nvGrpSpPr>
-        <p:cNvPr id="1" name=""/>
-        <p:cNvGrpSpPr/>
-        <p:nvPr/>
-      </p:nvGrpSpPr>
-      <p:grpSpPr>
-        <a:xfrm>
-          <a:off x="0" y="0"/>
-          <a:ext cx="0" cy="0"/>
-          <a:chOff x="0" y="0"/>
-          <a:chExt cx="0" cy="0"/>
-        </a:xfrm>
-      </p:grpSpPr>
-      <p:sp>
-        <p:nvSpPr>
-          <p:cNvPr id="2" name="Slide Image Placeholder 1"/>
-          <p:cNvSpPr>
-            <a:spLocks noGrp="1" noRot="1" noChangeAspect="1"/>
-          </p:cNvSpPr>
-          <p:nvPr>
-            <p:ph type="sldImg"/>
-          </p:nvPr>
-        </p:nvSpPr>
-        <p:spPr/>
-      </p:sp>
-      <p:sp>
-        <p:nvSpPr>
-          <p:cNvPr id="3" name="Notes Placeholder 2"/>
-          <p:cNvSpPr>
-            <a:spLocks noGrp="1"/>
-          </p:cNvSpPr>
-          <p:nvPr>
-            <p:ph type="body" idx="1"/>
-          </p:nvPr>
-        </p:nvSpPr>
-        <p:spPr/>
-        <p:txBody>
-          <a:bodyPr/>
-          <a:lstStyle/>
-          <a:p>
-            <a:endParaRPr lang="en-US" dirty="0"/>
-          </a:p>
-        </p:txBody>
-      </p:sp>
-      <p:sp>
-        <p:nvSpPr>
-          <p:cNvPr id="4" name="Slide Number Placeholder 3"/>
-          <p:cNvSpPr>
-            <a:spLocks noGrp="1"/>
-          </p:cNvSpPr>
-          <p:nvPr>
-            <p:ph type="sldNum" sz="quarter" idx="10"/>
-          </p:nvPr>
-        </p:nvSpPr>
-        <p:spPr/>
-        <p:txBody>
-          <a:bodyPr/>
-          <a:lstStyle/>
-          <a:p>
-            <a:fld id="{E18BF511-F575-4496-9E82-CD938318C1D8}" type="slidenum">
-              <a:rPr lang="en-US" smtClean="0"/>
-              <a:pPr/>
-              <a:t>26</a:t>
-            </a:fld>
-            <a:endParaRPr lang="en-US"/>
-          </a:p>
-        </p:txBody>
-      </p:sp>
-    </p:spTree>
-    <p:extLst>
-      <p:ext uri="{BB962C8B-B14F-4D97-AF65-F5344CB8AC3E}">
-        <p14:creationId xmlns:p14="http://schemas.microsoft.com/office/powerpoint/2010/main" val="3365714415"/>
-      </p:ext>
-    </p:extLst>
   </p:cSld>
   <p:clrMapOvr>
     <a:masterClrMapping/>
@@ -28798,106 +28798,6 @@
   <p:cSld>
     <p:spTree>
       <p:nvGrpSpPr>
-        <p:cNvPr id="1" name="Shape 374"/>
-        <p:cNvGrpSpPr/>
-        <p:nvPr/>
-      </p:nvGrpSpPr>
-      <p:grpSpPr>
-        <a:xfrm>
-          <a:off x="0" y="0"/>
-          <a:ext cx="0" cy="0"/>
-          <a:chOff x="0" y="0"/>
-          <a:chExt cx="0" cy="0"/>
-        </a:xfrm>
-      </p:grpSpPr>
-      <p:sp>
-        <p:nvSpPr>
-          <p:cNvPr id="375" name="Shape 375"/>
-          <p:cNvSpPr txBox="1"/>
-          <p:nvPr/>
-        </p:nvSpPr>
-        <p:spPr>
-          <a:xfrm>
-            <a:off x="431800" y="262950"/>
-            <a:ext cx="8524800" cy="584700"/>
-          </a:xfrm>
-          <a:prstGeom prst="rect">
-            <a:avLst/>
-          </a:prstGeom>
-          <a:noFill/>
-          <a:ln>
-            <a:noFill/>
-          </a:ln>
-        </p:spPr>
-        <p:txBody>
-          <a:bodyPr lIns="91425" tIns="45700" rIns="91425" bIns="45700" anchor="t" anchorCtr="0">
-            <a:noAutofit/>
-          </a:bodyPr>
-          <a:lstStyle/>
-          <a:p>
-            <a:pPr marL="0" marR="0" lvl="0" indent="0" algn="l" rtl="0">
-              <a:spcBef>
-                <a:spcPts val="0"/>
-              </a:spcBef>
-              <a:buSzPct val="25000"/>
-              <a:buNone/>
-            </a:pPr>
-            <a:r>
-              <a:rPr lang="en-US" sz="3200">
-                <a:solidFill>
-                  <a:srgbClr val="FFFF66"/>
-                </a:solidFill>
-                <a:latin typeface="Gill Sans MT"/>
-                <a:ea typeface="Gill Sans MT"/>
-                <a:cs typeface="Gill Sans MT"/>
-                <a:sym typeface="Gill Sans MT"/>
-              </a:rPr>
-              <a:t>Regression in R</a:t>
-            </a:r>
-          </a:p>
-        </p:txBody>
-      </p:sp>
-      <p:pic>
-        <p:nvPicPr>
-          <p:cNvPr id="376" name="Shape 376"/>
-          <p:cNvPicPr preferRelativeResize="0"/>
-          <p:nvPr/>
-        </p:nvPicPr>
-        <p:blipFill>
-          <a:blip r:embed="rId3">
-            <a:alphaModFix/>
-          </a:blip>
-          <a:stretch>
-            <a:fillRect/>
-          </a:stretch>
-        </p:blipFill>
-        <p:spPr>
-          <a:xfrm>
-            <a:off x="1365875" y="1462750"/>
-            <a:ext cx="6412249" cy="3688900"/>
-          </a:xfrm>
-          <a:prstGeom prst="rect">
-            <a:avLst/>
-          </a:prstGeom>
-          <a:noFill/>
-          <a:ln>
-            <a:noFill/>
-          </a:ln>
-        </p:spPr>
-      </p:pic>
-    </p:spTree>
-  </p:cSld>
-  <p:clrMapOvr>
-    <a:masterClrMapping/>
-  </p:clrMapOvr>
-</p:sld>
-</file>
-
-<file path=ppt/slides/slide22.xml><?xml version="1.0" encoding="utf-8"?>
-<p:sld xmlns:a="http://schemas.openxmlformats.org/drawingml/2006/main" xmlns:r="http://schemas.openxmlformats.org/officeDocument/2006/relationships" xmlns:p="http://schemas.openxmlformats.org/presentationml/2006/main">
-  <p:cSld>
-    <p:spTree>
-      <p:nvGrpSpPr>
         <p:cNvPr id="1" name=""/>
         <p:cNvGrpSpPr/>
         <p:nvPr/>
@@ -29369,7 +29269,7 @@
 </p:sld>
 </file>
 
-<file path=ppt/slides/slide23.xml><?xml version="1.0" encoding="utf-8"?>
+<file path=ppt/slides/slide22.xml><?xml version="1.0" encoding="utf-8"?>
 <p:sld xmlns:a="http://schemas.openxmlformats.org/drawingml/2006/main" xmlns:r="http://schemas.openxmlformats.org/officeDocument/2006/relationships" xmlns:p="http://schemas.openxmlformats.org/presentationml/2006/main">
   <p:cSld>
     <p:spTree>
@@ -30717,7 +30617,7 @@
 </p:sld>
 </file>
 
-<file path=ppt/slides/slide24.xml><?xml version="1.0" encoding="utf-8"?>
+<file path=ppt/slides/slide23.xml><?xml version="1.0" encoding="utf-8"?>
 <p:sld xmlns:a="http://schemas.openxmlformats.org/drawingml/2006/main" xmlns:r="http://schemas.openxmlformats.org/officeDocument/2006/relationships" xmlns:p="http://schemas.openxmlformats.org/presentationml/2006/main">
   <p:cSld>
     <p:spTree>
@@ -31024,7 +30924,7 @@
 </p:sld>
 </file>
 
-<file path=ppt/slides/slide25.xml><?xml version="1.0" encoding="utf-8"?>
+<file path=ppt/slides/slide24.xml><?xml version="1.0" encoding="utf-8"?>
 <p:sld xmlns:a="http://schemas.openxmlformats.org/drawingml/2006/main" xmlns:r="http://schemas.openxmlformats.org/officeDocument/2006/relationships" xmlns:p="http://schemas.openxmlformats.org/presentationml/2006/main">
   <p:cSld>
     <p:spTree>
@@ -31443,7 +31343,7 @@
 </p:sld>
 </file>
 
-<file path=ppt/slides/slide26.xml><?xml version="1.0" encoding="utf-8"?>
+<file path=ppt/slides/slide25.xml><?xml version="1.0" encoding="utf-8"?>
 <p:sld xmlns:a="http://schemas.openxmlformats.org/drawingml/2006/main" xmlns:r="http://schemas.openxmlformats.org/officeDocument/2006/relationships" xmlns:p="http://schemas.openxmlformats.org/presentationml/2006/main">
   <p:cSld>
     <p:spTree>
@@ -31723,6 +31623,106 @@
         <p14:creationId xmlns:p14="http://schemas.microsoft.com/office/powerpoint/2010/main" val="1006285947"/>
       </p:ext>
     </p:extLst>
+  </p:cSld>
+  <p:clrMapOvr>
+    <a:masterClrMapping/>
+  </p:clrMapOvr>
+</p:sld>
+</file>
+
+<file path=ppt/slides/slide26.xml><?xml version="1.0" encoding="utf-8"?>
+<p:sld xmlns:a="http://schemas.openxmlformats.org/drawingml/2006/main" xmlns:r="http://schemas.openxmlformats.org/officeDocument/2006/relationships" xmlns:p="http://schemas.openxmlformats.org/presentationml/2006/main">
+  <p:cSld>
+    <p:spTree>
+      <p:nvGrpSpPr>
+        <p:cNvPr id="1" name="Shape 374"/>
+        <p:cNvGrpSpPr/>
+        <p:nvPr/>
+      </p:nvGrpSpPr>
+      <p:grpSpPr>
+        <a:xfrm>
+          <a:off x="0" y="0"/>
+          <a:ext cx="0" cy="0"/>
+          <a:chOff x="0" y="0"/>
+          <a:chExt cx="0" cy="0"/>
+        </a:xfrm>
+      </p:grpSpPr>
+      <p:sp>
+        <p:nvSpPr>
+          <p:cNvPr id="375" name="Shape 375"/>
+          <p:cNvSpPr txBox="1"/>
+          <p:nvPr/>
+        </p:nvSpPr>
+        <p:spPr>
+          <a:xfrm>
+            <a:off x="431800" y="262950"/>
+            <a:ext cx="8524800" cy="584700"/>
+          </a:xfrm>
+          <a:prstGeom prst="rect">
+            <a:avLst/>
+          </a:prstGeom>
+          <a:noFill/>
+          <a:ln>
+            <a:noFill/>
+          </a:ln>
+        </p:spPr>
+        <p:txBody>
+          <a:bodyPr lIns="91425" tIns="45700" rIns="91425" bIns="45700" anchor="t" anchorCtr="0">
+            <a:noAutofit/>
+          </a:bodyPr>
+          <a:lstStyle/>
+          <a:p>
+            <a:pPr marL="0" marR="0" lvl="0" indent="0" algn="l" rtl="0">
+              <a:spcBef>
+                <a:spcPts val="0"/>
+              </a:spcBef>
+              <a:buSzPct val="25000"/>
+              <a:buNone/>
+            </a:pPr>
+            <a:r>
+              <a:rPr lang="en-US" sz="3200">
+                <a:solidFill>
+                  <a:srgbClr val="FFFF66"/>
+                </a:solidFill>
+                <a:latin typeface="Gill Sans MT"/>
+                <a:ea typeface="Gill Sans MT"/>
+                <a:cs typeface="Gill Sans MT"/>
+                <a:sym typeface="Gill Sans MT"/>
+              </a:rPr>
+              <a:t>Regression in R</a:t>
+            </a:r>
+          </a:p>
+        </p:txBody>
+      </p:sp>
+      <p:pic>
+        <p:nvPicPr>
+          <p:cNvPr id="376" name="Shape 376"/>
+          <p:cNvPicPr preferRelativeResize="0"/>
+          <p:nvPr/>
+        </p:nvPicPr>
+        <p:blipFill>
+          <a:blip r:embed="rId3">
+            <a:alphaModFix/>
+          </a:blip>
+          <a:stretch>
+            <a:fillRect/>
+          </a:stretch>
+        </p:blipFill>
+        <p:spPr>
+          <a:xfrm>
+            <a:off x="1365875" y="1462750"/>
+            <a:ext cx="6412249" cy="3688900"/>
+          </a:xfrm>
+          <a:prstGeom prst="rect">
+            <a:avLst/>
+          </a:prstGeom>
+          <a:noFill/>
+          <a:ln>
+            <a:noFill/>
+          </a:ln>
+        </p:spPr>
+      </p:pic>
+    </p:spTree>
   </p:cSld>
   <p:clrMapOvr>
     <a:masterClrMapping/>
